--- a/figure.pptx
+++ b/figure.pptx
@@ -107,6 +107,11 @@
       </a:defRPr>
     </a:lvl9pPr>
   </p:defaultTextStyle>
+  <p:extLst>
+    <p:ext uri="{EFAFB233-063F-42B5-8137-9DF3F51BA10A}">
+      <p15:sldGuideLst xmlns:p15="http://schemas.microsoft.com/office/powerpoint/2012/main"/>
+    </p:ext>
+  </p:extLst>
 </p:presentation>
 </file>
 
@@ -257,7 +262,7 @@
           <a:p>
             <a:fld id="{83D3E500-F827-42AB-AED1-4A7BE7AE6D9B}" type="datetimeFigureOut">
               <a:rPr lang="ko-KR" altLang="en-US" smtClean="0"/>
-              <a:t>2022-12-13</a:t>
+              <a:t>2022-12-14</a:t>
             </a:fld>
             <a:endParaRPr lang="ko-KR" altLang="en-US"/>
           </a:p>
@@ -455,7 +460,7 @@
           <a:p>
             <a:fld id="{83D3E500-F827-42AB-AED1-4A7BE7AE6D9B}" type="datetimeFigureOut">
               <a:rPr lang="ko-KR" altLang="en-US" smtClean="0"/>
-              <a:t>2022-12-13</a:t>
+              <a:t>2022-12-14</a:t>
             </a:fld>
             <a:endParaRPr lang="ko-KR" altLang="en-US"/>
           </a:p>
@@ -663,7 +668,7 @@
           <a:p>
             <a:fld id="{83D3E500-F827-42AB-AED1-4A7BE7AE6D9B}" type="datetimeFigureOut">
               <a:rPr lang="ko-KR" altLang="en-US" smtClean="0"/>
-              <a:t>2022-12-13</a:t>
+              <a:t>2022-12-14</a:t>
             </a:fld>
             <a:endParaRPr lang="ko-KR" altLang="en-US"/>
           </a:p>
@@ -861,7 +866,7 @@
           <a:p>
             <a:fld id="{83D3E500-F827-42AB-AED1-4A7BE7AE6D9B}" type="datetimeFigureOut">
               <a:rPr lang="ko-KR" altLang="en-US" smtClean="0"/>
-              <a:t>2022-12-13</a:t>
+              <a:t>2022-12-14</a:t>
             </a:fld>
             <a:endParaRPr lang="ko-KR" altLang="en-US"/>
           </a:p>
@@ -1136,7 +1141,7 @@
           <a:p>
             <a:fld id="{83D3E500-F827-42AB-AED1-4A7BE7AE6D9B}" type="datetimeFigureOut">
               <a:rPr lang="ko-KR" altLang="en-US" smtClean="0"/>
-              <a:t>2022-12-13</a:t>
+              <a:t>2022-12-14</a:t>
             </a:fld>
             <a:endParaRPr lang="ko-KR" altLang="en-US"/>
           </a:p>
@@ -1401,7 +1406,7 @@
           <a:p>
             <a:fld id="{83D3E500-F827-42AB-AED1-4A7BE7AE6D9B}" type="datetimeFigureOut">
               <a:rPr lang="ko-KR" altLang="en-US" smtClean="0"/>
-              <a:t>2022-12-13</a:t>
+              <a:t>2022-12-14</a:t>
             </a:fld>
             <a:endParaRPr lang="ko-KR" altLang="en-US"/>
           </a:p>
@@ -1813,7 +1818,7 @@
           <a:p>
             <a:fld id="{83D3E500-F827-42AB-AED1-4A7BE7AE6D9B}" type="datetimeFigureOut">
               <a:rPr lang="ko-KR" altLang="en-US" smtClean="0"/>
-              <a:t>2022-12-13</a:t>
+              <a:t>2022-12-14</a:t>
             </a:fld>
             <a:endParaRPr lang="ko-KR" altLang="en-US"/>
           </a:p>
@@ -1954,7 +1959,7 @@
           <a:p>
             <a:fld id="{83D3E500-F827-42AB-AED1-4A7BE7AE6D9B}" type="datetimeFigureOut">
               <a:rPr lang="ko-KR" altLang="en-US" smtClean="0"/>
-              <a:t>2022-12-13</a:t>
+              <a:t>2022-12-14</a:t>
             </a:fld>
             <a:endParaRPr lang="ko-KR" altLang="en-US"/>
           </a:p>
@@ -2067,7 +2072,7 @@
           <a:p>
             <a:fld id="{83D3E500-F827-42AB-AED1-4A7BE7AE6D9B}" type="datetimeFigureOut">
               <a:rPr lang="ko-KR" altLang="en-US" smtClean="0"/>
-              <a:t>2022-12-13</a:t>
+              <a:t>2022-12-14</a:t>
             </a:fld>
             <a:endParaRPr lang="ko-KR" altLang="en-US"/>
           </a:p>
@@ -2378,7 +2383,7 @@
           <a:p>
             <a:fld id="{83D3E500-F827-42AB-AED1-4A7BE7AE6D9B}" type="datetimeFigureOut">
               <a:rPr lang="ko-KR" altLang="en-US" smtClean="0"/>
-              <a:t>2022-12-13</a:t>
+              <a:t>2022-12-14</a:t>
             </a:fld>
             <a:endParaRPr lang="ko-KR" altLang="en-US"/>
           </a:p>
@@ -2666,7 +2671,7 @@
           <a:p>
             <a:fld id="{83D3E500-F827-42AB-AED1-4A7BE7AE6D9B}" type="datetimeFigureOut">
               <a:rPr lang="ko-KR" altLang="en-US" smtClean="0"/>
-              <a:t>2022-12-13</a:t>
+              <a:t>2022-12-14</a:t>
             </a:fld>
             <a:endParaRPr lang="ko-KR" altLang="en-US"/>
           </a:p>
@@ -2907,7 +2912,7 @@
           <a:p>
             <a:fld id="{83D3E500-F827-42AB-AED1-4A7BE7AE6D9B}" type="datetimeFigureOut">
               <a:rPr lang="ko-KR" altLang="en-US" smtClean="0"/>
-              <a:t>2022-12-13</a:t>
+              <a:t>2022-12-14</a:t>
             </a:fld>
             <a:endParaRPr lang="ko-KR" altLang="en-US"/>
           </a:p>
@@ -3326,10 +3331,10 @@
       </p:grpSpPr>
       <p:pic>
         <p:nvPicPr>
-          <p:cNvPr id="13" name="그림 12">
-            <a:extLst>
-              <a:ext uri="{FF2B5EF4-FFF2-40B4-BE49-F238E27FC236}">
-                <a16:creationId xmlns:a16="http://schemas.microsoft.com/office/drawing/2014/main" id="{6E1525C8-7E54-D786-3215-DA91F3F6140B}"/>
+          <p:cNvPr id="6" name="그림 5">
+            <a:extLst>
+              <a:ext uri="{FF2B5EF4-FFF2-40B4-BE49-F238E27FC236}">
+                <a16:creationId xmlns:a16="http://schemas.microsoft.com/office/drawing/2014/main" id="{951E0887-0F5E-4361-B052-73B7F32D09D1}"/>
               </a:ext>
             </a:extLst>
           </p:cNvPr>
@@ -3346,8 +3351,8 @@
         </p:blipFill>
         <p:spPr>
           <a:xfrm>
-            <a:off x="1339547" y="1957387"/>
-            <a:ext cx="4867275" cy="3133725"/>
+            <a:off x="0" y="1800326"/>
+            <a:ext cx="6227026" cy="3976585"/>
           </a:xfrm>
           <a:prstGeom prst="rect">
             <a:avLst/>
@@ -3356,10 +3361,10 @@
       </p:pic>
       <p:pic>
         <p:nvPicPr>
-          <p:cNvPr id="15" name="그림 14">
-            <a:extLst>
-              <a:ext uri="{FF2B5EF4-FFF2-40B4-BE49-F238E27FC236}">
-                <a16:creationId xmlns:a16="http://schemas.microsoft.com/office/drawing/2014/main" id="{3C297861-23F6-3801-E015-4A8CFD83E5A8}"/>
+          <p:cNvPr id="7" name="그림 6">
+            <a:extLst>
+              <a:ext uri="{FF2B5EF4-FFF2-40B4-BE49-F238E27FC236}">
+                <a16:creationId xmlns:a16="http://schemas.microsoft.com/office/drawing/2014/main" id="{0DD28E26-D553-4C60-84EB-7A0D68F72A51}"/>
               </a:ext>
             </a:extLst>
           </p:cNvPr>
@@ -3376,86 +3381,14 @@
         </p:blipFill>
         <p:spPr>
           <a:xfrm>
-            <a:off x="6190473" y="1903673"/>
-            <a:ext cx="4661979" cy="3193790"/>
+            <a:off x="6293932" y="1770665"/>
+            <a:ext cx="5710796" cy="3928189"/>
           </a:xfrm>
           <a:prstGeom prst="rect">
             <a:avLst/>
           </a:prstGeom>
         </p:spPr>
       </p:pic>
-      <p:sp>
-        <p:nvSpPr>
-          <p:cNvPr id="8" name="TextBox 7">
-            <a:extLst>
-              <a:ext uri="{FF2B5EF4-FFF2-40B4-BE49-F238E27FC236}">
-                <a16:creationId xmlns:a16="http://schemas.microsoft.com/office/drawing/2014/main" id="{6CCB09BC-A441-C3CB-0894-B600CCE1D880}"/>
-              </a:ext>
-            </a:extLst>
-          </p:cNvPr>
-          <p:cNvSpPr txBox="1"/>
-          <p:nvPr/>
-        </p:nvSpPr>
-        <p:spPr>
-          <a:xfrm>
-            <a:off x="5619616" y="4466065"/>
-            <a:ext cx="606256" cy="246221"/>
-          </a:xfrm>
-          <a:prstGeom prst="rect">
-            <a:avLst/>
-          </a:prstGeom>
-          <a:noFill/>
-        </p:spPr>
-        <p:txBody>
-          <a:bodyPr wrap="none" rtlCol="0">
-            <a:spAutoFit/>
-          </a:bodyPr>
-          <a:lstStyle/>
-          <a:p>
-            <a:r>
-              <a:rPr lang="en-US" altLang="ko-KR" sz="1000" dirty="0"/>
-              <a:t>(x 0.01)</a:t>
-            </a:r>
-            <a:endParaRPr lang="ko-KR" altLang="en-US" sz="1400" dirty="0"/>
-          </a:p>
-        </p:txBody>
-      </p:sp>
-      <p:sp>
-        <p:nvSpPr>
-          <p:cNvPr id="16" name="TextBox 15">
-            <a:extLst>
-              <a:ext uri="{FF2B5EF4-FFF2-40B4-BE49-F238E27FC236}">
-                <a16:creationId xmlns:a16="http://schemas.microsoft.com/office/drawing/2014/main" id="{136C6A89-8322-05FC-0336-C72A38D380AE}"/>
-              </a:ext>
-            </a:extLst>
-          </p:cNvPr>
-          <p:cNvSpPr txBox="1"/>
-          <p:nvPr/>
-        </p:nvSpPr>
-        <p:spPr>
-          <a:xfrm>
-            <a:off x="10211865" y="4605765"/>
-            <a:ext cx="606256" cy="246221"/>
-          </a:xfrm>
-          <a:prstGeom prst="rect">
-            <a:avLst/>
-          </a:prstGeom>
-          <a:noFill/>
-        </p:spPr>
-        <p:txBody>
-          <a:bodyPr wrap="none" rtlCol="0">
-            <a:spAutoFit/>
-          </a:bodyPr>
-          <a:lstStyle/>
-          <a:p>
-            <a:r>
-              <a:rPr lang="en-US" altLang="ko-KR" sz="1000" dirty="0"/>
-              <a:t>(x 0.01)</a:t>
-            </a:r>
-            <a:endParaRPr lang="ko-KR" altLang="en-US" sz="1400" dirty="0"/>
-          </a:p>
-        </p:txBody>
-      </p:sp>
     </p:spTree>
     <p:extLst>
       <p:ext uri="{BB962C8B-B14F-4D97-AF65-F5344CB8AC3E}">
@@ -3488,10 +3421,10 @@
       </p:grpSpPr>
       <p:pic>
         <p:nvPicPr>
-          <p:cNvPr id="10" name="그림 9">
-            <a:extLst>
-              <a:ext uri="{FF2B5EF4-FFF2-40B4-BE49-F238E27FC236}">
-                <a16:creationId xmlns:a16="http://schemas.microsoft.com/office/drawing/2014/main" id="{78F2C913-25F2-F7D9-A034-6253FD38AD3B}"/>
+          <p:cNvPr id="2" name="그림 1">
+            <a:extLst>
+              <a:ext uri="{FF2B5EF4-FFF2-40B4-BE49-F238E27FC236}">
+                <a16:creationId xmlns:a16="http://schemas.microsoft.com/office/drawing/2014/main" id="{BAD1AE97-D8FF-4DC8-9248-B689C3E38BD5}"/>
               </a:ext>
             </a:extLst>
           </p:cNvPr>
@@ -3508,8 +3441,8 @@
         </p:blipFill>
         <p:spPr>
           <a:xfrm>
-            <a:off x="18662" y="1939172"/>
-            <a:ext cx="5814332" cy="3356728"/>
+            <a:off x="0" y="1912563"/>
+            <a:ext cx="5859236" cy="3226174"/>
           </a:xfrm>
           <a:prstGeom prst="rect">
             <a:avLst/>
@@ -3518,10 +3451,10 @@
       </p:pic>
       <p:pic>
         <p:nvPicPr>
-          <p:cNvPr id="12" name="그림 11">
-            <a:extLst>
-              <a:ext uri="{FF2B5EF4-FFF2-40B4-BE49-F238E27FC236}">
-                <a16:creationId xmlns:a16="http://schemas.microsoft.com/office/drawing/2014/main" id="{C3AEA1BD-5202-3CDE-B774-A24C3DA19A47}"/>
+          <p:cNvPr id="3" name="그림 2">
+            <a:extLst>
+              <a:ext uri="{FF2B5EF4-FFF2-40B4-BE49-F238E27FC236}">
+                <a16:creationId xmlns:a16="http://schemas.microsoft.com/office/drawing/2014/main" id="{CD25181D-1978-4734-8594-616D42505930}"/>
               </a:ext>
             </a:extLst>
           </p:cNvPr>
@@ -3538,8 +3471,8 @@
         </p:blipFill>
         <p:spPr>
           <a:xfrm>
-            <a:off x="5851656" y="1900638"/>
-            <a:ext cx="5865710" cy="3433795"/>
+            <a:off x="5859236" y="1948509"/>
+            <a:ext cx="5814303" cy="3190228"/>
           </a:xfrm>
           <a:prstGeom prst="rect">
             <a:avLst/>
@@ -3578,10 +3511,10 @@
       </p:grpSpPr>
       <p:pic>
         <p:nvPicPr>
-          <p:cNvPr id="13" name="그림 12">
-            <a:extLst>
-              <a:ext uri="{FF2B5EF4-FFF2-40B4-BE49-F238E27FC236}">
-                <a16:creationId xmlns:a16="http://schemas.microsoft.com/office/drawing/2014/main" id="{2E5CFE78-9DB6-9F06-A684-6B35E6889296}"/>
+          <p:cNvPr id="2" name="그림 1">
+            <a:extLst>
+              <a:ext uri="{FF2B5EF4-FFF2-40B4-BE49-F238E27FC236}">
+                <a16:creationId xmlns:a16="http://schemas.microsoft.com/office/drawing/2014/main" id="{54329B78-DF52-409F-93C4-74C6CFB0168E}"/>
               </a:ext>
             </a:extLst>
           </p:cNvPr>
@@ -3598,8 +3531,8 @@
         </p:blipFill>
         <p:spPr>
           <a:xfrm>
-            <a:off x="1" y="2996387"/>
-            <a:ext cx="3899984" cy="2304275"/>
+            <a:off x="0" y="219274"/>
+            <a:ext cx="5368499" cy="3040195"/>
           </a:xfrm>
           <a:prstGeom prst="rect">
             <a:avLst/>
@@ -3608,10 +3541,10 @@
       </p:pic>
       <p:pic>
         <p:nvPicPr>
-          <p:cNvPr id="15" name="그림 14">
-            <a:extLst>
-              <a:ext uri="{FF2B5EF4-FFF2-40B4-BE49-F238E27FC236}">
-                <a16:creationId xmlns:a16="http://schemas.microsoft.com/office/drawing/2014/main" id="{A0C748E8-91C5-DEB3-EC83-19FB4E3DE8FA}"/>
+          <p:cNvPr id="3" name="그림 2">
+            <a:extLst>
+              <a:ext uri="{FF2B5EF4-FFF2-40B4-BE49-F238E27FC236}">
+                <a16:creationId xmlns:a16="http://schemas.microsoft.com/office/drawing/2014/main" id="{1C15E1C4-6927-4A0E-B9EE-8E7327C0976C}"/>
               </a:ext>
             </a:extLst>
           </p:cNvPr>
@@ -3628,8 +3561,8 @@
         </p:blipFill>
         <p:spPr>
           <a:xfrm>
-            <a:off x="3901567" y="2993143"/>
-            <a:ext cx="4102508" cy="2355143"/>
+            <a:off x="5393625" y="3707408"/>
+            <a:ext cx="5552753" cy="2931318"/>
           </a:xfrm>
           <a:prstGeom prst="rect">
             <a:avLst/>
@@ -3638,10 +3571,10 @@
       </p:pic>
       <p:pic>
         <p:nvPicPr>
-          <p:cNvPr id="17" name="그림 16">
-            <a:extLst>
-              <a:ext uri="{FF2B5EF4-FFF2-40B4-BE49-F238E27FC236}">
-                <a16:creationId xmlns:a16="http://schemas.microsoft.com/office/drawing/2014/main" id="{7ED96915-FAD0-D82B-2CD4-0F715C6E9755}"/>
+          <p:cNvPr id="4" name="그림 3">
+            <a:extLst>
+              <a:ext uri="{FF2B5EF4-FFF2-40B4-BE49-F238E27FC236}">
+                <a16:creationId xmlns:a16="http://schemas.microsoft.com/office/drawing/2014/main" id="{61AE75E7-1AB7-47F4-9C74-32FD87454309}"/>
               </a:ext>
             </a:extLst>
           </p:cNvPr>
@@ -3658,38 +3591,8 @@
         </p:blipFill>
         <p:spPr>
           <a:xfrm>
-            <a:off x="8004075" y="3003958"/>
-            <a:ext cx="3962252" cy="2296704"/>
-          </a:xfrm>
-          <a:prstGeom prst="rect">
-            <a:avLst/>
-          </a:prstGeom>
-        </p:spPr>
-      </p:pic>
-      <p:pic>
-        <p:nvPicPr>
-          <p:cNvPr id="18" name="그림 17">
-            <a:extLst>
-              <a:ext uri="{FF2B5EF4-FFF2-40B4-BE49-F238E27FC236}">
-                <a16:creationId xmlns:a16="http://schemas.microsoft.com/office/drawing/2014/main" id="{59A31BCE-91C9-0C96-43AC-F44CA2A0086F}"/>
-              </a:ext>
-            </a:extLst>
-          </p:cNvPr>
-          <p:cNvPicPr>
-            <a:picLocks noChangeAspect="1"/>
-          </p:cNvPicPr>
-          <p:nvPr/>
-        </p:nvPicPr>
-        <p:blipFill>
-          <a:blip r:embed="rId2"/>
-          <a:stretch>
-            <a:fillRect/>
-          </a:stretch>
-        </p:blipFill>
-        <p:spPr>
-          <a:xfrm>
-            <a:off x="152401" y="3148787"/>
-            <a:ext cx="3899984" cy="2304275"/>
+            <a:off x="0" y="3707408"/>
+            <a:ext cx="5393625" cy="2931318"/>
           </a:xfrm>
           <a:prstGeom prst="rect">
             <a:avLst/>
